--- a/pics/tofms.pptx
+++ b/pics/tofms.pptx
@@ -298,7 +298,7 @@
           <a:p>
             <a:fld id="{C6DAD580-48AB-4FCB-B985-C109C228D8CD}" type="datetimeFigureOut">
               <a:rPr lang="en-GB" smtClean="0"/>
-              <a:t>18/04/2018</a:t>
+              <a:t>22/07/2019</a:t>
             </a:fld>
             <a:endParaRPr lang="en-GB"/>
           </a:p>
@@ -498,7 +498,7 @@
           <a:p>
             <a:fld id="{C6DAD580-48AB-4FCB-B985-C109C228D8CD}" type="datetimeFigureOut">
               <a:rPr lang="en-GB" smtClean="0"/>
-              <a:t>18/04/2018</a:t>
+              <a:t>22/07/2019</a:t>
             </a:fld>
             <a:endParaRPr lang="en-GB"/>
           </a:p>
@@ -708,7 +708,7 @@
           <a:p>
             <a:fld id="{C6DAD580-48AB-4FCB-B985-C109C228D8CD}" type="datetimeFigureOut">
               <a:rPr lang="en-GB" smtClean="0"/>
-              <a:t>18/04/2018</a:t>
+              <a:t>22/07/2019</a:t>
             </a:fld>
             <a:endParaRPr lang="en-GB"/>
           </a:p>
@@ -908,7 +908,7 @@
           <a:p>
             <a:fld id="{C6DAD580-48AB-4FCB-B985-C109C228D8CD}" type="datetimeFigureOut">
               <a:rPr lang="en-GB" smtClean="0"/>
-              <a:t>18/04/2018</a:t>
+              <a:t>22/07/2019</a:t>
             </a:fld>
             <a:endParaRPr lang="en-GB"/>
           </a:p>
@@ -1184,7 +1184,7 @@
           <a:p>
             <a:fld id="{C6DAD580-48AB-4FCB-B985-C109C228D8CD}" type="datetimeFigureOut">
               <a:rPr lang="en-GB" smtClean="0"/>
-              <a:t>18/04/2018</a:t>
+              <a:t>22/07/2019</a:t>
             </a:fld>
             <a:endParaRPr lang="en-GB"/>
           </a:p>
@@ -1452,7 +1452,7 @@
           <a:p>
             <a:fld id="{C6DAD580-48AB-4FCB-B985-C109C228D8CD}" type="datetimeFigureOut">
               <a:rPr lang="en-GB" smtClean="0"/>
-              <a:t>18/04/2018</a:t>
+              <a:t>22/07/2019</a:t>
             </a:fld>
             <a:endParaRPr lang="en-GB"/>
           </a:p>
@@ -1867,7 +1867,7 @@
           <a:p>
             <a:fld id="{C6DAD580-48AB-4FCB-B985-C109C228D8CD}" type="datetimeFigureOut">
               <a:rPr lang="en-GB" smtClean="0"/>
-              <a:t>18/04/2018</a:t>
+              <a:t>22/07/2019</a:t>
             </a:fld>
             <a:endParaRPr lang="en-GB"/>
           </a:p>
@@ -2009,7 +2009,7 @@
           <a:p>
             <a:fld id="{C6DAD580-48AB-4FCB-B985-C109C228D8CD}" type="datetimeFigureOut">
               <a:rPr lang="en-GB" smtClean="0"/>
-              <a:t>18/04/2018</a:t>
+              <a:t>22/07/2019</a:t>
             </a:fld>
             <a:endParaRPr lang="en-GB"/>
           </a:p>
@@ -2122,7 +2122,7 @@
           <a:p>
             <a:fld id="{C6DAD580-48AB-4FCB-B985-C109C228D8CD}" type="datetimeFigureOut">
               <a:rPr lang="en-GB" smtClean="0"/>
-              <a:t>18/04/2018</a:t>
+              <a:t>22/07/2019</a:t>
             </a:fld>
             <a:endParaRPr lang="en-GB"/>
           </a:p>
@@ -2435,7 +2435,7 @@
           <a:p>
             <a:fld id="{C6DAD580-48AB-4FCB-B985-C109C228D8CD}" type="datetimeFigureOut">
               <a:rPr lang="en-GB" smtClean="0"/>
-              <a:t>18/04/2018</a:t>
+              <a:t>22/07/2019</a:t>
             </a:fld>
             <a:endParaRPr lang="en-GB"/>
           </a:p>
@@ -2724,7 +2724,7 @@
           <a:p>
             <a:fld id="{C6DAD580-48AB-4FCB-B985-C109C228D8CD}" type="datetimeFigureOut">
               <a:rPr lang="en-GB" smtClean="0"/>
-              <a:t>18/04/2018</a:t>
+              <a:t>22/07/2019</a:t>
             </a:fld>
             <a:endParaRPr lang="en-GB"/>
           </a:p>
@@ -2967,7 +2967,7 @@
           <a:p>
             <a:fld id="{C6DAD580-48AB-4FCB-B985-C109C228D8CD}" type="datetimeFigureOut">
               <a:rPr lang="en-GB" smtClean="0"/>
-              <a:t>18/04/2018</a:t>
+              <a:t>22/07/2019</a:t>
             </a:fld>
             <a:endParaRPr lang="en-GB"/>
           </a:p>
@@ -3530,6 +3530,16 @@
           <a:prstGeom prst="ellipse">
             <a:avLst/>
           </a:prstGeom>
+          <a:solidFill>
+            <a:schemeClr val="bg1">
+              <a:lumMod val="50000"/>
+            </a:schemeClr>
+          </a:solidFill>
+          <a:ln>
+            <a:solidFill>
+              <a:schemeClr val="tx1"/>
+            </a:solidFill>
+          </a:ln>
         </p:spPr>
         <p:style>
           <a:lnRef idx="2">
@@ -3576,6 +3586,16 @@
           <a:prstGeom prst="ellipse">
             <a:avLst/>
           </a:prstGeom>
+          <a:solidFill>
+            <a:schemeClr val="bg1">
+              <a:lumMod val="85000"/>
+            </a:schemeClr>
+          </a:solidFill>
+          <a:ln>
+            <a:solidFill>
+              <a:schemeClr val="tx1"/>
+            </a:solidFill>
+          </a:ln>
         </p:spPr>
         <p:style>
           <a:lnRef idx="2">
@@ -3622,6 +3642,12 @@
           <a:prstGeom prst="ellipse">
             <a:avLst/>
           </a:prstGeom>
+          <a:solidFill>
+            <a:schemeClr val="tx1"/>
+          </a:solidFill>
+          <a:ln>
+            <a:noFill/>
+          </a:ln>
         </p:spPr>
         <p:style>
           <a:lnRef idx="2">
@@ -3662,12 +3688,22 @@
         </p:nvSpPr>
         <p:spPr>
           <a:xfrm>
-            <a:off x="3379177" y="3834913"/>
+            <a:off x="3379177" y="3714751"/>
             <a:ext cx="158261" cy="158261"/>
           </a:xfrm>
           <a:prstGeom prst="ellipse">
             <a:avLst/>
           </a:prstGeom>
+          <a:solidFill>
+            <a:schemeClr val="bg1">
+              <a:lumMod val="50000"/>
+            </a:schemeClr>
+          </a:solidFill>
+          <a:ln>
+            <a:solidFill>
+              <a:schemeClr val="tx1"/>
+            </a:solidFill>
+          </a:ln>
         </p:spPr>
         <p:style>
           <a:lnRef idx="2">
@@ -3708,12 +3744,22 @@
         </p:nvSpPr>
         <p:spPr>
           <a:xfrm flipH="1">
-            <a:off x="3889132" y="4034936"/>
+            <a:off x="3889132" y="3981449"/>
             <a:ext cx="82060" cy="82060"/>
           </a:xfrm>
           <a:prstGeom prst="ellipse">
             <a:avLst/>
           </a:prstGeom>
+          <a:solidFill>
+            <a:schemeClr val="bg1">
+              <a:lumMod val="85000"/>
+            </a:schemeClr>
+          </a:solidFill>
+          <a:ln>
+            <a:solidFill>
+              <a:schemeClr val="tx1"/>
+            </a:solidFill>
+          </a:ln>
         </p:spPr>
         <p:style>
           <a:lnRef idx="2">
@@ -3754,12 +3800,18 @@
         </p:nvSpPr>
         <p:spPr>
           <a:xfrm flipH="1">
-            <a:off x="2839915" y="4034936"/>
+            <a:off x="2839915" y="4037865"/>
             <a:ext cx="216875" cy="216875"/>
           </a:xfrm>
           <a:prstGeom prst="ellipse">
             <a:avLst/>
           </a:prstGeom>
+          <a:solidFill>
+            <a:schemeClr val="tx1"/>
+          </a:solidFill>
+          <a:ln>
+            <a:noFill/>
+          </a:ln>
         </p:spPr>
         <p:style>
           <a:lnRef idx="2">
@@ -3838,12 +3890,22 @@
         </p:nvSpPr>
         <p:spPr>
           <a:xfrm>
-            <a:off x="6638193" y="3714751"/>
+            <a:off x="7268505" y="3714751"/>
             <a:ext cx="158261" cy="158261"/>
           </a:xfrm>
           <a:prstGeom prst="ellipse">
             <a:avLst/>
           </a:prstGeom>
+          <a:solidFill>
+            <a:schemeClr val="bg1">
+              <a:lumMod val="50000"/>
+            </a:schemeClr>
+          </a:solidFill>
+          <a:ln>
+            <a:solidFill>
+              <a:schemeClr val="tx1"/>
+            </a:solidFill>
+          </a:ln>
         </p:spPr>
         <p:style>
           <a:lnRef idx="2">
@@ -3884,12 +3946,22 @@
         </p:nvSpPr>
         <p:spPr>
           <a:xfrm flipH="1">
-            <a:off x="8393719" y="3981449"/>
+            <a:off x="9024031" y="3981449"/>
             <a:ext cx="82060" cy="82060"/>
           </a:xfrm>
           <a:prstGeom prst="ellipse">
             <a:avLst/>
           </a:prstGeom>
+          <a:solidFill>
+            <a:schemeClr val="bg1">
+              <a:lumMod val="85000"/>
+            </a:schemeClr>
+          </a:solidFill>
+          <a:ln>
+            <a:solidFill>
+              <a:schemeClr val="tx1"/>
+            </a:solidFill>
+          </a:ln>
         </p:spPr>
         <p:style>
           <a:lnRef idx="2">
@@ -3930,12 +4002,18 @@
         </p:nvSpPr>
         <p:spPr>
           <a:xfrm flipH="1">
-            <a:off x="5285641" y="4037865"/>
+            <a:off x="5915953" y="4037865"/>
             <a:ext cx="216875" cy="216875"/>
           </a:xfrm>
           <a:prstGeom prst="ellipse">
             <a:avLst/>
           </a:prstGeom>
+          <a:solidFill>
+            <a:schemeClr val="tx1"/>
+          </a:solidFill>
+          <a:ln>
+            <a:noFill/>
+          </a:ln>
         </p:spPr>
         <p:style>
           <a:lnRef idx="2">
